--- a/NET Core Web API教學與實做.pptx
+++ b/NET Core Web API教學與實做.pptx
@@ -251,7 +251,7 @@
           <a:p>
             <a:fld id="{2F6E5846-5D0F-48C5-89A4-48096943028B}" type="datetimeFigureOut">
               <a:rPr lang="zh-TW" altLang="en-US" smtClean="0"/>
-              <a:t>2022/11/22</a:t>
+              <a:t>2022/11/23</a:t>
             </a:fld>
             <a:endParaRPr lang="zh-TW" altLang="en-US"/>
           </a:p>
@@ -4752,7 +4752,7 @@
           <a:p>
             <a:fld id="{AE18679F-F7AD-4C3C-A7D1-3B957986030F}" type="datetimeFigureOut">
               <a:rPr lang="zh-TW" altLang="en-US" smtClean="0"/>
-              <a:t>2022/11/22</a:t>
+              <a:t>2022/11/23</a:t>
             </a:fld>
             <a:endParaRPr lang="zh-TW" altLang="en-US"/>
           </a:p>
@@ -4922,7 +4922,7 @@
           <a:p>
             <a:fld id="{AE18679F-F7AD-4C3C-A7D1-3B957986030F}" type="datetimeFigureOut">
               <a:rPr lang="zh-TW" altLang="en-US" smtClean="0"/>
-              <a:t>2022/11/22</a:t>
+              <a:t>2022/11/23</a:t>
             </a:fld>
             <a:endParaRPr lang="zh-TW" altLang="en-US"/>
           </a:p>
@@ -5102,7 +5102,7 @@
           <a:p>
             <a:fld id="{AE18679F-F7AD-4C3C-A7D1-3B957986030F}" type="datetimeFigureOut">
               <a:rPr lang="zh-TW" altLang="en-US" smtClean="0"/>
-              <a:t>2022/11/22</a:t>
+              <a:t>2022/11/23</a:t>
             </a:fld>
             <a:endParaRPr lang="zh-TW" altLang="en-US"/>
           </a:p>
@@ -5272,7 +5272,7 @@
           <a:p>
             <a:fld id="{AE18679F-F7AD-4C3C-A7D1-3B957986030F}" type="datetimeFigureOut">
               <a:rPr lang="zh-TW" altLang="en-US" smtClean="0"/>
-              <a:t>2022/11/22</a:t>
+              <a:t>2022/11/23</a:t>
             </a:fld>
             <a:endParaRPr lang="zh-TW" altLang="en-US"/>
           </a:p>
@@ -5518,7 +5518,7 @@
           <a:p>
             <a:fld id="{AE18679F-F7AD-4C3C-A7D1-3B957986030F}" type="datetimeFigureOut">
               <a:rPr lang="zh-TW" altLang="en-US" smtClean="0"/>
-              <a:t>2022/11/22</a:t>
+              <a:t>2022/11/23</a:t>
             </a:fld>
             <a:endParaRPr lang="zh-TW" altLang="en-US"/>
           </a:p>
@@ -5750,7 +5750,7 @@
           <a:p>
             <a:fld id="{AE18679F-F7AD-4C3C-A7D1-3B957986030F}" type="datetimeFigureOut">
               <a:rPr lang="zh-TW" altLang="en-US" smtClean="0"/>
-              <a:t>2022/11/22</a:t>
+              <a:t>2022/11/23</a:t>
             </a:fld>
             <a:endParaRPr lang="zh-TW" altLang="en-US"/>
           </a:p>
@@ -6117,7 +6117,7 @@
           <a:p>
             <a:fld id="{AE18679F-F7AD-4C3C-A7D1-3B957986030F}" type="datetimeFigureOut">
               <a:rPr lang="zh-TW" altLang="en-US" smtClean="0"/>
-              <a:t>2022/11/22</a:t>
+              <a:t>2022/11/23</a:t>
             </a:fld>
             <a:endParaRPr lang="zh-TW" altLang="en-US"/>
           </a:p>
@@ -6235,7 +6235,7 @@
           <a:p>
             <a:fld id="{AE18679F-F7AD-4C3C-A7D1-3B957986030F}" type="datetimeFigureOut">
               <a:rPr lang="zh-TW" altLang="en-US" smtClean="0"/>
-              <a:t>2022/11/22</a:t>
+              <a:t>2022/11/23</a:t>
             </a:fld>
             <a:endParaRPr lang="zh-TW" altLang="en-US"/>
           </a:p>
@@ -6330,7 +6330,7 @@
           <a:p>
             <a:fld id="{AE18679F-F7AD-4C3C-A7D1-3B957986030F}" type="datetimeFigureOut">
               <a:rPr lang="zh-TW" altLang="en-US" smtClean="0"/>
-              <a:t>2022/11/22</a:t>
+              <a:t>2022/11/23</a:t>
             </a:fld>
             <a:endParaRPr lang="zh-TW" altLang="en-US"/>
           </a:p>
@@ -6607,7 +6607,7 @@
           <a:p>
             <a:fld id="{AE18679F-F7AD-4C3C-A7D1-3B957986030F}" type="datetimeFigureOut">
               <a:rPr lang="zh-TW" altLang="en-US" smtClean="0"/>
-              <a:t>2022/11/22</a:t>
+              <a:t>2022/11/23</a:t>
             </a:fld>
             <a:endParaRPr lang="zh-TW" altLang="en-US"/>
           </a:p>
@@ -6860,7 +6860,7 @@
           <a:p>
             <a:fld id="{AE18679F-F7AD-4C3C-A7D1-3B957986030F}" type="datetimeFigureOut">
               <a:rPr lang="zh-TW" altLang="en-US" smtClean="0"/>
-              <a:t>2022/11/22</a:t>
+              <a:t>2022/11/23</a:t>
             </a:fld>
             <a:endParaRPr lang="zh-TW" altLang="en-US"/>
           </a:p>
@@ -7073,7 +7073,7 @@
           <a:p>
             <a:fld id="{AE18679F-F7AD-4C3C-A7D1-3B957986030F}" type="datetimeFigureOut">
               <a:rPr lang="zh-TW" altLang="en-US" smtClean="0"/>
-              <a:t>2022/11/22</a:t>
+              <a:t>2022/11/23</a:t>
             </a:fld>
             <a:endParaRPr lang="zh-TW" altLang="en-US"/>
           </a:p>
@@ -7541,14 +7541,7 @@
                 <a:latin typeface="微軟正黑體" panose="020B0604030504040204" pitchFamily="34" charset="-120"/>
                 <a:ea typeface="微軟正黑體" panose="020B0604030504040204" pitchFamily="34" charset="-120"/>
               </a:rPr>
-              <a:t>.NET Core Web </a:t>
-            </a:r>
-            <a:r>
-              <a:rPr lang="en-US" altLang="zh-TW" dirty="0" smtClean="0">
-                <a:latin typeface="微軟正黑體" panose="020B0604030504040204" pitchFamily="34" charset="-120"/>
-                <a:ea typeface="微軟正黑體" panose="020B0604030504040204" pitchFamily="34" charset="-120"/>
-              </a:rPr>
-              <a:t>API</a:t>
+              <a:t>.NET Core Web API</a:t>
             </a:r>
             <a:r>
               <a:rPr lang="zh-TW" altLang="en-US" dirty="0" smtClean="0">
@@ -8525,14 +8518,7 @@
                 <a:latin typeface="微軟正黑體" panose="020B0604030504040204" pitchFamily="34" charset="-120"/>
                 <a:ea typeface="微軟正黑體" panose="020B0604030504040204" pitchFamily="34" charset="-120"/>
               </a:rPr>
-              <a:t>及</a:t>
-            </a:r>
-            <a:r>
-              <a:rPr lang="zh-TW" altLang="en-US" sz="3200" dirty="0" smtClean="0">
-                <a:latin typeface="微軟正黑體" panose="020B0604030504040204" pitchFamily="34" charset="-120"/>
-                <a:ea typeface="微軟正黑體" panose="020B0604030504040204" pitchFamily="34" charset="-120"/>
-              </a:rPr>
-              <a:t>專案名稱 </a:t>
+              <a:t>及專案名稱 </a:t>
             </a:r>
             <a:r>
               <a:rPr lang="en-US" altLang="zh-TW" sz="3200" dirty="0" smtClean="0">
@@ -8776,14 +8762,7 @@
                 <a:latin typeface="微軟正黑體" panose="020B0604030504040204" pitchFamily="34" charset="-120"/>
                 <a:ea typeface="微軟正黑體" panose="020B0604030504040204" pitchFamily="34" charset="-120"/>
               </a:rPr>
-              <a:t>.NET 6 </a:t>
-            </a:r>
-            <a:r>
-              <a:rPr lang="en-US" altLang="zh-TW" sz="3200" dirty="0" smtClean="0">
-                <a:latin typeface="微軟正黑體" panose="020B0604030504040204" pitchFamily="34" charset="-120"/>
-                <a:ea typeface="微軟正黑體" panose="020B0604030504040204" pitchFamily="34" charset="-120"/>
-              </a:rPr>
-              <a:t>=&gt;</a:t>
+              <a:t>.NET 6 =&gt;</a:t>
             </a:r>
             <a:r>
               <a:rPr lang="zh-TW" altLang="en-US" sz="3200" dirty="0" smtClean="0">
@@ -9050,11 +9029,7 @@
           <a:p>
             <a:r>
               <a:rPr lang="en-US" altLang="zh-TW" dirty="0" smtClean="0"/>
-              <a:t>{{domain</a:t>
-            </a:r>
-            <a:r>
-              <a:rPr lang="en-US" altLang="zh-TW" dirty="0" smtClean="0"/>
-              <a:t>}}/</a:t>
+              <a:t>{{domain}}/</a:t>
             </a:r>
             <a:r>
               <a:rPr lang="en-US" altLang="zh-TW" b="1" dirty="0" err="1"/>
@@ -9342,14 +9317,7 @@
                 <a:latin typeface="微軟正黑體" panose="020B0604030504040204" pitchFamily="34" charset="-120"/>
                 <a:ea typeface="微軟正黑體" panose="020B0604030504040204" pitchFamily="34" charset="-120"/>
               </a:rPr>
-              <a:t>透過路由</a:t>
-            </a:r>
-            <a:r>
-              <a:rPr lang="zh-TW" altLang="en-US" sz="3200" dirty="0" smtClean="0">
-                <a:latin typeface="微軟正黑體" panose="020B0604030504040204" pitchFamily="34" charset="-120"/>
-                <a:ea typeface="微軟正黑體" panose="020B0604030504040204" pitchFamily="34" charset="-120"/>
-              </a:rPr>
-              <a:t>設定</a:t>
+              <a:t>透過路由設定</a:t>
             </a:r>
             <a:r>
               <a:rPr lang="en-US" altLang="zh-TW" sz="3200" dirty="0" smtClean="0">
@@ -9564,11 +9532,7 @@
           <a:p>
             <a:r>
               <a:rPr lang="en-US" altLang="zh-TW" dirty="0" smtClean="0"/>
-              <a:t>API Controller(.</a:t>
-            </a:r>
-            <a:r>
-              <a:rPr lang="en-US" altLang="zh-TW" dirty="0" smtClean="0"/>
-              <a:t>NET Core)</a:t>
+              <a:t>API Controller(.NET Core)</a:t>
             </a:r>
             <a:endParaRPr lang="zh-TW" altLang="en-US" dirty="0"/>
           </a:p>
@@ -10378,7 +10342,7 @@
             <p:ph idx="1"/>
             <p:extLst>
               <p:ext uri="{D42A27DB-BD31-4B8C-83A1-F6EECF244321}">
-                <p14:modId xmlns:p14="http://schemas.microsoft.com/office/powerpoint/2010/main" val="1389103997"/>
+                <p14:modId xmlns:p14="http://schemas.microsoft.com/office/powerpoint/2010/main" val="750865237"/>
               </p:ext>
             </p:extLst>
           </p:nvPr>
@@ -10418,7 +10382,39 @@
                       </a:r>
                       <a:r>
                         <a:rPr lang="zh-TW" altLang="en-US" sz="2800" dirty="0" smtClean="0"/>
-                        <a:t>特定路由</a:t>
+                        <a:t>特定路</a:t>
+                      </a:r>
+                      <a:r>
+                        <a:rPr lang="zh-TW" altLang="en-US" sz="2800" dirty="0" smtClean="0"/>
+                        <a:t>由</a:t>
+                      </a:r>
+                      <a:r>
+                        <a:rPr lang="en-US" altLang="zh-TW" sz="2800" dirty="0" smtClean="0"/>
+                        <a:t>(</a:t>
+                      </a:r>
+                      <a:r>
+                        <a:rPr lang="zh-TW" altLang="en-US" sz="2800" dirty="0" smtClean="0"/>
+                        <a:t>若有一個</a:t>
+                      </a:r>
+                      <a:r>
+                        <a:rPr lang="en-US" altLang="zh-TW" sz="2800" dirty="0" smtClean="0"/>
+                        <a:t>Action</a:t>
+                      </a:r>
+                      <a:r>
+                        <a:rPr lang="zh-TW" altLang="en-US" sz="2800" dirty="0" smtClean="0"/>
+                        <a:t>設定了其他</a:t>
+                      </a:r>
+                      <a:r>
+                        <a:rPr lang="en-US" altLang="zh-TW" sz="2800" dirty="0" smtClean="0"/>
+                        <a:t>Action</a:t>
+                      </a:r>
+                      <a:r>
+                        <a:rPr lang="zh-TW" altLang="en-US" sz="2800" dirty="0" smtClean="0"/>
+                        <a:t>也都要設定才行</a:t>
+                      </a:r>
+                      <a:r>
+                        <a:rPr lang="en-US" altLang="zh-TW" sz="2800" dirty="0" smtClean="0"/>
+                        <a:t>)</a:t>
                       </a:r>
                       <a:endParaRPr lang="en-US" altLang="zh-TW" sz="2800" dirty="0" smtClean="0"/>
                     </a:p>
@@ -10483,7 +10479,66 @@
                           <a:ea typeface="+mn-ea"/>
                           <a:cs typeface="+mn-cs"/>
                         </a:rPr>
-                        <a:t>組合路由</a:t>
+                        <a:t>組合路</a:t>
+                      </a:r>
+                      <a:r>
+                        <a:rPr lang="zh-TW" altLang="en-US" sz="2800" strike="noStrike" kern="1200" dirty="0" smtClean="0">
+                          <a:solidFill>
+                            <a:schemeClr val="tx1"/>
+                          </a:solidFill>
+                          <a:latin typeface="+mn-lt"/>
+                          <a:ea typeface="+mn-ea"/>
+                          <a:cs typeface="+mn-cs"/>
+                        </a:rPr>
+                        <a:t>由</a:t>
+                      </a:r>
+                      <a:r>
+                        <a:rPr lang="en-US" altLang="zh-TW" sz="2800" strike="noStrike" kern="1200" dirty="0" smtClean="0">
+                          <a:solidFill>
+                            <a:schemeClr val="tx1"/>
+                          </a:solidFill>
+                          <a:latin typeface="+mn-lt"/>
+                          <a:ea typeface="+mn-ea"/>
+                          <a:cs typeface="+mn-cs"/>
+                        </a:rPr>
+                        <a:t>(</a:t>
+                      </a:r>
+                      <a:r>
+                        <a:rPr lang="en-US" altLang="zh-TW" sz="2800" dirty="0" err="1" smtClean="0"/>
+                        <a:t>RouteP</a:t>
+                      </a:r>
+                      <a:r>
+                        <a:rPr lang="en-US" altLang="zh-TW" sz="2800" kern="1200" dirty="0" err="1" smtClean="0">
+                          <a:solidFill>
+                            <a:schemeClr val="tx1"/>
+                          </a:solidFill>
+                          <a:latin typeface="+mn-lt"/>
+                          <a:ea typeface="+mn-ea"/>
+                          <a:cs typeface="+mn-cs"/>
+                        </a:rPr>
+                        <a:t>refix</a:t>
+                      </a:r>
+                      <a:r>
+                        <a:rPr lang="zh-TW" altLang="en-US" sz="2800" kern="1200" dirty="0" smtClean="0">
+                          <a:solidFill>
+                            <a:schemeClr val="tx1"/>
+                          </a:solidFill>
+                          <a:latin typeface="+mn-lt"/>
+                          <a:ea typeface="+mn-ea"/>
+                          <a:cs typeface="+mn-cs"/>
+                        </a:rPr>
+                        <a:t>要裝套件</a:t>
+                      </a:r>
+                      <a:r>
+                        <a:rPr lang="en-US" altLang="zh-TW" sz="2800" strike="noStrike" kern="1200" dirty="0" smtClean="0">
+                          <a:solidFill>
+                            <a:schemeClr val="tx1"/>
+                          </a:solidFill>
+                          <a:latin typeface="+mn-lt"/>
+                          <a:ea typeface="+mn-ea"/>
+                          <a:cs typeface="+mn-cs"/>
+                        </a:rPr>
+                        <a:t>)</a:t>
                       </a:r>
                       <a:endParaRPr lang="en-US" altLang="zh-TW" sz="2800" strike="noStrike" kern="1200" dirty="0" smtClean="0">
                         <a:solidFill>
@@ -10681,18 +10736,7 @@
                           <a:ea typeface="+mn-ea"/>
                           <a:cs typeface="+mn-cs"/>
                         </a:rPr>
-                        <a:t>ute(“Test/[controller]/[action</a:t>
-                      </a:r>
-                      <a:r>
-                        <a:rPr lang="en-US" altLang="zh-TW" sz="2800" strike="noStrike" kern="1200" dirty="0" smtClean="0">
-                          <a:solidFill>
-                            <a:schemeClr val="tx1"/>
-                          </a:solidFill>
-                          <a:latin typeface="+mn-lt"/>
-                          <a:ea typeface="+mn-ea"/>
-                          <a:cs typeface="+mn-cs"/>
-                        </a:rPr>
-                        <a:t>]”)]</a:t>
+                        <a:t>ute(“Test/[controller]/[action]”)]</a:t>
                       </a:r>
                       <a:r>
                         <a:rPr lang="zh-TW" altLang="en-US" sz="2800" strike="noStrike" kern="1200" dirty="0" smtClean="0">
@@ -10790,18 +10834,7 @@
                           <a:ea typeface="+mn-ea"/>
                           <a:cs typeface="+mn-cs"/>
                         </a:rPr>
-                        <a:t>[Route</a:t>
-                      </a:r>
-                      <a:r>
-                        <a:rPr lang="en-US" altLang="zh-TW" sz="2800" strike="noStrike" kern="1200" baseline="0" dirty="0" smtClean="0">
-                          <a:solidFill>
-                            <a:schemeClr val="tx1"/>
-                          </a:solidFill>
-                          <a:latin typeface="+mn-lt"/>
-                          <a:ea typeface="+mn-ea"/>
-                          <a:cs typeface="+mn-cs"/>
-                        </a:rPr>
-                        <a:t>(“/”)]  // </a:t>
+                        <a:t>[Route(“/”)]  // </a:t>
                       </a:r>
                       <a:r>
                         <a:rPr lang="en-US" altLang="zh-TW" sz="2800" strike="noStrike" kern="1200" baseline="0" dirty="0" err="1" smtClean="0">
@@ -20897,54 +20930,36 @@
                 <a:latin typeface="微軟正黑體" panose="020B0604030504040204" pitchFamily="34" charset="-120"/>
                 <a:ea typeface="微軟正黑體" panose="020B0604030504040204" pitchFamily="34" charset="-120"/>
               </a:rPr>
-              <a:t>(Chrome </a:t>
+              <a:t>(Chrome App</a:t>
+            </a:r>
+            <a:r>
+              <a:rPr lang="zh-TW" altLang="en-US" sz="3200" dirty="0" smtClean="0">
+                <a:latin typeface="微軟正黑體" panose="020B0604030504040204" pitchFamily="34" charset="-120"/>
+                <a:ea typeface="微軟正黑體" panose="020B0604030504040204" pitchFamily="34" charset="-120"/>
+              </a:rPr>
+              <a:t>，不能用於</a:t>
+            </a:r>
+            <a:r>
+              <a:rPr lang="en-US" altLang="zh-TW" sz="3200" dirty="0" err="1" smtClean="0">
+                <a:latin typeface="微軟正黑體" panose="020B0604030504040204" pitchFamily="34" charset="-120"/>
+                <a:ea typeface="微軟正黑體" panose="020B0604030504040204" pitchFamily="34" charset="-120"/>
+              </a:rPr>
+              <a:t>localhost</a:t>
+            </a:r>
+            <a:r>
+              <a:rPr lang="zh-TW" altLang="en-US" sz="3200" dirty="0" smtClean="0">
+                <a:latin typeface="微軟正黑體" panose="020B0604030504040204" pitchFamily="34" charset="-120"/>
+                <a:ea typeface="微軟正黑體" panose="020B0604030504040204" pitchFamily="34" charset="-120"/>
+              </a:rPr>
+              <a:t>測試</a:t>
             </a:r>
             <a:r>
               <a:rPr lang="en-US" altLang="zh-TW" sz="3200" dirty="0" smtClean="0">
                 <a:latin typeface="微軟正黑體" panose="020B0604030504040204" pitchFamily="34" charset="-120"/>
                 <a:ea typeface="微軟正黑體" panose="020B0604030504040204" pitchFamily="34" charset="-120"/>
               </a:rPr>
-              <a:t>App</a:t>
-            </a:r>
-            <a:r>
-              <a:rPr lang="zh-TW" altLang="en-US" sz="3200" dirty="0" smtClean="0">
-                <a:latin typeface="微軟正黑體" panose="020B0604030504040204" pitchFamily="34" charset="-120"/>
-                <a:ea typeface="微軟正黑體" panose="020B0604030504040204" pitchFamily="34" charset="-120"/>
-              </a:rPr>
-              <a:t>，</a:t>
-            </a:r>
-            <a:r>
-              <a:rPr lang="zh-TW" altLang="en-US" sz="3200" dirty="0" smtClean="0">
-                <a:latin typeface="微軟正黑體" panose="020B0604030504040204" pitchFamily="34" charset="-120"/>
-                <a:ea typeface="微軟正黑體" panose="020B0604030504040204" pitchFamily="34" charset="-120"/>
-              </a:rPr>
-              <a:t>不能用於</a:t>
-            </a:r>
-            <a:r>
-              <a:rPr lang="en-US" altLang="zh-TW" sz="3200" dirty="0" err="1" smtClean="0">
-                <a:latin typeface="微軟正黑體" panose="020B0604030504040204" pitchFamily="34" charset="-120"/>
-                <a:ea typeface="微軟正黑體" panose="020B0604030504040204" pitchFamily="34" charset="-120"/>
-              </a:rPr>
-              <a:t>localhost</a:t>
-            </a:r>
-            <a:r>
-              <a:rPr lang="zh-TW" altLang="en-US" sz="3200" dirty="0" smtClean="0">
-                <a:latin typeface="微軟正黑體" panose="020B0604030504040204" pitchFamily="34" charset="-120"/>
-                <a:ea typeface="微軟正黑體" panose="020B0604030504040204" pitchFamily="34" charset="-120"/>
-              </a:rPr>
-              <a:t>測試</a:t>
-            </a:r>
-            <a:r>
-              <a:rPr lang="en-US" altLang="zh-TW" sz="3200" dirty="0" smtClean="0">
-                <a:latin typeface="微軟正黑體" panose="020B0604030504040204" pitchFamily="34" charset="-120"/>
-                <a:ea typeface="微軟正黑體" panose="020B0604030504040204" pitchFamily="34" charset="-120"/>
-              </a:rPr>
               <a:t>)</a:t>
             </a:r>
-            <a:endParaRPr lang="en-US" altLang="zh-TW" sz="3200" dirty="0" smtClean="0">
-              <a:latin typeface="微軟正黑體" panose="020B0604030504040204" pitchFamily="34" charset="-120"/>
-              <a:ea typeface="微軟正黑體" panose="020B0604030504040204" pitchFamily="34" charset="-120"/>
-            </a:endParaRPr>
           </a:p>
           <a:p>
             <a:pPr lvl="1"/>
